--- a/ClassMaterials/ComparableAndComparators/Slides/Part3-FinalExam.pptx
+++ b/ClassMaterials/ComparableAndComparators/Slides/Part3-FinalExam.pptx
@@ -13,9 +13,9 @@
   <p:sldIdLst>
     <p:sldId id="256" r:id="rId2"/>
     <p:sldId id="308" r:id="rId3"/>
-    <p:sldId id="307" r:id="rId4"/>
-    <p:sldId id="305" r:id="rId5"/>
-    <p:sldId id="306" r:id="rId6"/>
+    <p:sldId id="305" r:id="rId4"/>
+    <p:sldId id="306" r:id="rId5"/>
+    <p:sldId id="307" r:id="rId6"/>
   </p:sldIdLst>
   <p:sldSz cx="9144000" cy="6858000" type="screen4x3"/>
   <p:notesSz cx="7315200" cy="9601200"/>
@@ -166,6 +166,58 @@
 <file path=ppt/changesInfos/changesInfo1.xml><?xml version="1.0" encoding="utf-8"?>
 <pc:chgInfo xmlns:a="http://schemas.openxmlformats.org/drawingml/2006/main" xmlns:r="http://schemas.openxmlformats.org/officeDocument/2006/relationships" xmlns:ac="http://schemas.microsoft.com/office/drawing/2013/main/command" xmlns:pc="http://schemas.microsoft.com/office/powerpoint/2013/main/command">
   <pc:docChgLst>
+    <pc:chgData name="Yoder, Jason" userId="28f4d4d8-da04-4f86-b14d-a21675737bc5" providerId="ADAL" clId="{87B36991-944C-4CD6-9B69-462139255AAF}"/>
+    <pc:docChg chg="delSld modSld">
+      <pc:chgData name="Yoder, Jason" userId="28f4d4d8-da04-4f86-b14d-a21675737bc5" providerId="ADAL" clId="{87B36991-944C-4CD6-9B69-462139255AAF}" dt="2023-11-20T21:20:59.741" v="22" actId="47"/>
+      <pc:docMkLst>
+        <pc:docMk/>
+      </pc:docMkLst>
+      <pc:sldChg chg="modSp mod">
+        <pc:chgData name="Yoder, Jason" userId="28f4d4d8-da04-4f86-b14d-a21675737bc5" providerId="ADAL" clId="{87B36991-944C-4CD6-9B69-462139255AAF}" dt="2023-11-20T21:20:46.668" v="21" actId="20577"/>
+        <pc:sldMkLst>
+          <pc:docMk/>
+          <pc:sldMk cId="0" sldId="256"/>
+        </pc:sldMkLst>
+        <pc:spChg chg="mod">
+          <ac:chgData name="Yoder, Jason" userId="28f4d4d8-da04-4f86-b14d-a21675737bc5" providerId="ADAL" clId="{87B36991-944C-4CD6-9B69-462139255AAF}" dt="2023-11-20T21:20:46.668" v="21" actId="20577"/>
+          <ac:spMkLst>
+            <pc:docMk/>
+            <pc:sldMk cId="0" sldId="256"/>
+            <ac:spMk id="9219" creationId="{00000000-0000-0000-0000-000000000000}"/>
+          </ac:spMkLst>
+        </pc:spChg>
+      </pc:sldChg>
+      <pc:sldChg chg="del">
+        <pc:chgData name="Yoder, Jason" userId="28f4d4d8-da04-4f86-b14d-a21675737bc5" providerId="ADAL" clId="{87B36991-944C-4CD6-9B69-462139255AAF}" dt="2023-11-20T21:20:43.836" v="17" actId="47"/>
+        <pc:sldMkLst>
+          <pc:docMk/>
+          <pc:sldMk cId="460806378" sldId="271"/>
+        </pc:sldMkLst>
+      </pc:sldChg>
+      <pc:sldChg chg="del">
+        <pc:chgData name="Yoder, Jason" userId="28f4d4d8-da04-4f86-b14d-a21675737bc5" providerId="ADAL" clId="{87B36991-944C-4CD6-9B69-462139255AAF}" dt="2023-11-20T21:20:43.836" v="17" actId="47"/>
+        <pc:sldMkLst>
+          <pc:docMk/>
+          <pc:sldMk cId="519290676" sldId="309"/>
+        </pc:sldMkLst>
+      </pc:sldChg>
+      <pc:sldChg chg="del">
+        <pc:chgData name="Yoder, Jason" userId="28f4d4d8-da04-4f86-b14d-a21675737bc5" providerId="ADAL" clId="{87B36991-944C-4CD6-9B69-462139255AAF}" dt="2023-11-20T21:20:43.836" v="17" actId="47"/>
+        <pc:sldMkLst>
+          <pc:docMk/>
+          <pc:sldMk cId="337474717" sldId="311"/>
+        </pc:sldMkLst>
+      </pc:sldChg>
+      <pc:sldChg chg="del">
+        <pc:chgData name="Yoder, Jason" userId="28f4d4d8-da04-4f86-b14d-a21675737bc5" providerId="ADAL" clId="{87B36991-944C-4CD6-9B69-462139255AAF}" dt="2023-11-20T21:20:59.741" v="22" actId="47"/>
+        <pc:sldMkLst>
+          <pc:docMk/>
+          <pc:sldMk cId="3134119363" sldId="312"/>
+        </pc:sldMkLst>
+      </pc:sldChg>
+    </pc:docChg>
+  </pc:docChgLst>
+  <pc:docChgLst>
     <pc:chgData name="Yoder, Jason" userId="28f4d4d8-da04-4f86-b14d-a21675737bc5" providerId="ADAL" clId="{DD611FEB-BF6D-4515-B047-CA5019C0D2F6}"/>
     <pc:docChg chg="undo custSel addSld delSld modSld">
       <pc:chgData name="Yoder, Jason" userId="28f4d4d8-da04-4f86-b14d-a21675737bc5" providerId="ADAL" clId="{DD611FEB-BF6D-4515-B047-CA5019C0D2F6}" dt="2023-11-09T15:09:49.789" v="1473" actId="20577"/>
@@ -265,58 +317,6 @@
       </pc:sldChg>
     </pc:docChg>
   </pc:docChgLst>
-  <pc:docChgLst>
-    <pc:chgData name="Yoder, Jason" userId="28f4d4d8-da04-4f86-b14d-a21675737bc5" providerId="ADAL" clId="{87B36991-944C-4CD6-9B69-462139255AAF}"/>
-    <pc:docChg chg="delSld modSld">
-      <pc:chgData name="Yoder, Jason" userId="28f4d4d8-da04-4f86-b14d-a21675737bc5" providerId="ADAL" clId="{87B36991-944C-4CD6-9B69-462139255AAF}" dt="2023-11-20T21:20:59.741" v="22" actId="47"/>
-      <pc:docMkLst>
-        <pc:docMk/>
-      </pc:docMkLst>
-      <pc:sldChg chg="modSp mod">
-        <pc:chgData name="Yoder, Jason" userId="28f4d4d8-da04-4f86-b14d-a21675737bc5" providerId="ADAL" clId="{87B36991-944C-4CD6-9B69-462139255AAF}" dt="2023-11-20T21:20:46.668" v="21" actId="20577"/>
-        <pc:sldMkLst>
-          <pc:docMk/>
-          <pc:sldMk cId="0" sldId="256"/>
-        </pc:sldMkLst>
-        <pc:spChg chg="mod">
-          <ac:chgData name="Yoder, Jason" userId="28f4d4d8-da04-4f86-b14d-a21675737bc5" providerId="ADAL" clId="{87B36991-944C-4CD6-9B69-462139255AAF}" dt="2023-11-20T21:20:46.668" v="21" actId="20577"/>
-          <ac:spMkLst>
-            <pc:docMk/>
-            <pc:sldMk cId="0" sldId="256"/>
-            <ac:spMk id="9219" creationId="{00000000-0000-0000-0000-000000000000}"/>
-          </ac:spMkLst>
-        </pc:spChg>
-      </pc:sldChg>
-      <pc:sldChg chg="del">
-        <pc:chgData name="Yoder, Jason" userId="28f4d4d8-da04-4f86-b14d-a21675737bc5" providerId="ADAL" clId="{87B36991-944C-4CD6-9B69-462139255AAF}" dt="2023-11-20T21:20:43.836" v="17" actId="47"/>
-        <pc:sldMkLst>
-          <pc:docMk/>
-          <pc:sldMk cId="460806378" sldId="271"/>
-        </pc:sldMkLst>
-      </pc:sldChg>
-      <pc:sldChg chg="del">
-        <pc:chgData name="Yoder, Jason" userId="28f4d4d8-da04-4f86-b14d-a21675737bc5" providerId="ADAL" clId="{87B36991-944C-4CD6-9B69-462139255AAF}" dt="2023-11-20T21:20:43.836" v="17" actId="47"/>
-        <pc:sldMkLst>
-          <pc:docMk/>
-          <pc:sldMk cId="519290676" sldId="309"/>
-        </pc:sldMkLst>
-      </pc:sldChg>
-      <pc:sldChg chg="del">
-        <pc:chgData name="Yoder, Jason" userId="28f4d4d8-da04-4f86-b14d-a21675737bc5" providerId="ADAL" clId="{87B36991-944C-4CD6-9B69-462139255AAF}" dt="2023-11-20T21:20:43.836" v="17" actId="47"/>
-        <pc:sldMkLst>
-          <pc:docMk/>
-          <pc:sldMk cId="337474717" sldId="311"/>
-        </pc:sldMkLst>
-      </pc:sldChg>
-      <pc:sldChg chg="del">
-        <pc:chgData name="Yoder, Jason" userId="28f4d4d8-da04-4f86-b14d-a21675737bc5" providerId="ADAL" clId="{87B36991-944C-4CD6-9B69-462139255AAF}" dt="2023-11-20T21:20:59.741" v="22" actId="47"/>
-        <pc:sldMkLst>
-          <pc:docMk/>
-          <pc:sldMk cId="3134119363" sldId="312"/>
-        </pc:sldMkLst>
-      </pc:sldChg>
-    </pc:docChg>
-  </pc:docChgLst>
 </pc:chgInfo>
 </file>
 
@@ -437,7 +437,7 @@
               <a:pPr>
                 <a:defRPr/>
               </a:pPr>
-              <a:t>11/20/2023</a:t>
+              <a:t>5/26/2025</a:t>
             </a:fld>
             <a:endParaRPr lang="en-US"/>
           </a:p>
@@ -672,7 +672,7 @@
               <a:pPr>
                 <a:defRPr/>
               </a:pPr>
-              <a:t>11/20/2023</a:t>
+              <a:t>5/26/2025</a:t>
             </a:fld>
             <a:endParaRPr lang="en-US"/>
           </a:p>
@@ -1341,7 +1341,7 @@
               <a:pPr>
                 <a:defRPr/>
               </a:pPr>
-              <a:t>Monday, November 20, 2023</a:t>
+              <a:t>Monday, May 26, 2025</a:t>
             </a:fld>
             <a:endParaRPr lang="en-US" dirty="0"/>
           </a:p>
@@ -1524,7 +1524,7 @@
               <a:pPr>
                 <a:defRPr/>
               </a:pPr>
-              <a:t>Monday, November 20, 2023</a:t>
+              <a:t>Monday, May 26, 2025</a:t>
             </a:fld>
             <a:endParaRPr lang="en-US" dirty="0"/>
           </a:p>
@@ -1717,7 +1717,7 @@
               <a:pPr>
                 <a:defRPr/>
               </a:pPr>
-              <a:t>Monday, November 20, 2023</a:t>
+              <a:t>Monday, May 26, 2025</a:t>
             </a:fld>
             <a:endParaRPr lang="en-US" dirty="0"/>
           </a:p>
@@ -1900,7 +1900,7 @@
               <a:pPr>
                 <a:defRPr/>
               </a:pPr>
-              <a:t>Monday, November 20, 2023</a:t>
+              <a:t>Monday, May 26, 2025</a:t>
             </a:fld>
             <a:endParaRPr lang="en-US" dirty="0"/>
           </a:p>
@@ -2160,7 +2160,7 @@
               <a:pPr>
                 <a:defRPr/>
               </a:pPr>
-              <a:t>Monday, November 20, 2023</a:t>
+              <a:t>Monday, May 26, 2025</a:t>
             </a:fld>
             <a:endParaRPr lang="en-US"/>
           </a:p>
@@ -2460,7 +2460,7 @@
               <a:pPr>
                 <a:defRPr/>
               </a:pPr>
-              <a:t>Monday, November 20, 2023</a:t>
+              <a:t>Monday, May 26, 2025</a:t>
             </a:fld>
             <a:endParaRPr lang="en-US"/>
           </a:p>
@@ -2894,7 +2894,7 @@
               <a:pPr>
                 <a:defRPr/>
               </a:pPr>
-              <a:t>Monday, November 20, 2023</a:t>
+              <a:t>Monday, May 26, 2025</a:t>
             </a:fld>
             <a:endParaRPr lang="en-US"/>
           </a:p>
@@ -3026,7 +3026,7 @@
               <a:pPr>
                 <a:defRPr/>
               </a:pPr>
-              <a:t>Monday, November 20, 2023</a:t>
+              <a:t>Monday, May 26, 2025</a:t>
             </a:fld>
             <a:endParaRPr lang="en-US"/>
           </a:p>
@@ -3136,7 +3136,7 @@
               <a:pPr>
                 <a:defRPr/>
               </a:pPr>
-              <a:t>Monday, November 20, 2023</a:t>
+              <a:t>Monday, May 26, 2025</a:t>
             </a:fld>
             <a:endParaRPr lang="en-US" dirty="0"/>
           </a:p>
@@ -3426,7 +3426,7 @@
               <a:pPr>
                 <a:defRPr/>
               </a:pPr>
-              <a:t>Monday, November 20, 2023</a:t>
+              <a:t>Monday, May 26, 2025</a:t>
             </a:fld>
             <a:endParaRPr lang="en-US"/>
           </a:p>
@@ -3693,7 +3693,7 @@
               <a:pPr>
                 <a:defRPr/>
               </a:pPr>
-              <a:t>Monday, November 20, 2023</a:t>
+              <a:t>Monday, May 26, 2025</a:t>
             </a:fld>
             <a:endParaRPr lang="en-US"/>
           </a:p>
@@ -3919,7 +3919,7 @@
               <a:pPr>
                 <a:defRPr/>
               </a:pPr>
-              <a:t>Monday, November 20, 2023</a:t>
+              <a:t>Monday, May 26, 2025</a:t>
             </a:fld>
             <a:endParaRPr lang="en-US" dirty="0"/>
           </a:p>
@@ -4462,34 +4462,14 @@
             </a:pPr>
             <a:r>
               <a:rPr lang="en-US" sz="4000" b="1" dirty="0"/>
-              <a:t>Take-Home Part:</a:t>
+              <a:t>In-Class Part During Final Exam Slot:</a:t>
             </a:r>
           </a:p>
           <a:p>
             <a:r>
               <a:rPr lang="en-US" sz="4000" dirty="0"/>
-              <a:t>Graphics-based coding</a:t>
-            </a:r>
-          </a:p>
-          <a:p>
-            <a:pPr marL="0" indent="0">
-              <a:buNone/>
-            </a:pPr>
-            <a:r>
-              <a:rPr lang="en-US" sz="4000" b="1" dirty="0"/>
-              <a:t>In-Class Part During Final Exam Slot:</a:t>
-            </a:r>
-          </a:p>
-          <a:p>
-            <a:r>
-              <a:rPr lang="en-US" sz="4000" dirty="0"/>
-              <a:t>Non-coding Part on </a:t>
-            </a:r>
-            <a:r>
-              <a:rPr lang="en-US" sz="4000" dirty="0" err="1"/>
-              <a:t>Gradescope</a:t>
-            </a:r>
-            <a:endParaRPr lang="en-US" sz="4000" dirty="0"/>
+              <a:t>Written Part</a:t>
+            </a:r>
           </a:p>
           <a:p>
             <a:r>
@@ -4534,7 +4514,7 @@
           <p:cNvPr id="2" name="Title 1">
             <a:extLst>
               <a:ext uri="{FF2B5EF4-FFF2-40B4-BE49-F238E27FC236}">
-                <a16:creationId xmlns:a16="http://schemas.microsoft.com/office/drawing/2014/main" id="{634DC018-2F6B-2F9B-144C-4B856B98061B}"/>
+                <a16:creationId xmlns:a16="http://schemas.microsoft.com/office/drawing/2014/main" id="{A99D4E72-2CF7-2C9A-444F-E6F7509E65C2}"/>
               </a:ext>
             </a:extLst>
           </p:cNvPr>
@@ -4560,7 +4540,7 @@
                 <a:effectLst/>
                 <a:latin typeface="Times New Roman" panose="02020603050405020304" pitchFamily="18" charset="0"/>
               </a:rPr>
-              <a:t>Graphics Part (Take-Home)</a:t>
+              <a:t>Written Part (In-Class)</a:t>
             </a:r>
             <a:endParaRPr lang="en-US" dirty="0"/>
           </a:p>
@@ -4571,7 +4551,7 @@
           <p:cNvPr id="3" name="Content Placeholder 2">
             <a:extLst>
               <a:ext uri="{FF2B5EF4-FFF2-40B4-BE49-F238E27FC236}">
-                <a16:creationId xmlns:a16="http://schemas.microsoft.com/office/drawing/2014/main" id="{A7BFB6E5-C164-25C8-6773-392A77969383}"/>
+                <a16:creationId xmlns:a16="http://schemas.microsoft.com/office/drawing/2014/main" id="{404F99C5-1D71-DF3A-E12F-E976346DF81F}"/>
               </a:ext>
             </a:extLst>
           </p:cNvPr>
@@ -4585,7 +4565,7 @@
         <p:spPr/>
         <p:txBody>
           <a:bodyPr>
-            <a:normAutofit lnSpcReduction="10000"/>
+            <a:normAutofit/>
           </a:bodyPr>
           <a:lstStyle/>
           <a:p>
@@ -4600,14 +4580,74 @@
               <a:buChar char="•"/>
             </a:pPr>
             <a:r>
-              <a:rPr lang="en-US" sz="4000" b="0" i="0" u="none" strike="noStrike" dirty="0">
+              <a:rPr lang="en-US" sz="2000" b="0" i="0" u="none" strike="noStrike" dirty="0">
                 <a:solidFill>
                   <a:srgbClr val="000000"/>
                 </a:solidFill>
                 <a:effectLst/>
-                <a:latin typeface="+mj-lt"/>
+                <a:latin typeface="Times New Roman" panose="02020603050405020304" pitchFamily="18" charset="0"/>
               </a:rPr>
-              <a:t>Event driven</a:t>
+              <a:t>Questions on sorting algorithms (</a:t>
+            </a:r>
+            <a:r>
+              <a:rPr lang="en-US" sz="2000" b="0" i="1" u="none" strike="noStrike" dirty="0" err="1">
+                <a:solidFill>
+                  <a:srgbClr val="000000"/>
+                </a:solidFill>
+                <a:effectLst/>
+                <a:latin typeface="Times New Roman" panose="02020603050405020304" pitchFamily="18" charset="0"/>
+              </a:rPr>
+              <a:t>insertionSort</a:t>
+            </a:r>
+            <a:r>
+              <a:rPr lang="en-US" sz="2000" b="0" i="0" u="none" strike="noStrike" dirty="0">
+                <a:solidFill>
+                  <a:srgbClr val="000000"/>
+                </a:solidFill>
+                <a:effectLst/>
+                <a:latin typeface="Times New Roman" panose="02020603050405020304" pitchFamily="18" charset="0"/>
+              </a:rPr>
+              <a:t>, </a:t>
+            </a:r>
+            <a:r>
+              <a:rPr lang="en-US" sz="2000" b="0" i="1" u="none" strike="noStrike" dirty="0" err="1">
+                <a:solidFill>
+                  <a:srgbClr val="000000"/>
+                </a:solidFill>
+                <a:effectLst/>
+                <a:latin typeface="Times New Roman" panose="02020603050405020304" pitchFamily="18" charset="0"/>
+              </a:rPr>
+              <a:t>selectionSort</a:t>
+            </a:r>
+            <a:r>
+              <a:rPr lang="en-US" sz="2000" b="0" i="0" u="none" strike="noStrike" dirty="0">
+                <a:solidFill>
+                  <a:srgbClr val="000000"/>
+                </a:solidFill>
+                <a:effectLst/>
+                <a:latin typeface="Times New Roman" panose="02020603050405020304" pitchFamily="18" charset="0"/>
+              </a:rPr>
+              <a:t>, </a:t>
+            </a:r>
+            <a:r>
+              <a:rPr lang="en-US" sz="2000" b="0" i="1" u="none" strike="noStrike" dirty="0" err="1">
+                <a:solidFill>
+                  <a:srgbClr val="000000"/>
+                </a:solidFill>
+                <a:effectLst/>
+                <a:latin typeface="Times New Roman" panose="02020603050405020304" pitchFamily="18" charset="0"/>
+              </a:rPr>
+              <a:t>mergeSort</a:t>
+            </a:r>
+            <a:r>
+              <a:rPr lang="en-US" sz="2000" b="0" i="0" u="none" strike="noStrike" dirty="0">
+                <a:solidFill>
+                  <a:srgbClr val="000000"/>
+                </a:solidFill>
+                <a:effectLst/>
+                <a:latin typeface="Times New Roman" panose="02020603050405020304" pitchFamily="18" charset="0"/>
+              </a:rPr>
+              <a:t>)</a:t>
             </a:r>
           </a:p>
           <a:p>
@@ -4622,14 +4662,100 @@
               <a:buChar char="•"/>
             </a:pPr>
             <a:r>
-              <a:rPr lang="en-US" sz="4000" b="0" i="0" u="none" strike="noStrike" dirty="0">
+              <a:rPr lang="en-US" sz="2000" b="0" i="0" u="none" strike="noStrike" dirty="0">
                 <a:solidFill>
                   <a:srgbClr val="000000"/>
                 </a:solidFill>
                 <a:effectLst/>
-                <a:latin typeface="+mj-lt"/>
+                <a:latin typeface="Times New Roman" panose="02020603050405020304" pitchFamily="18" charset="0"/>
               </a:rPr>
-              <a:t>Timer events</a:t>
+              <a:t>Big-O questions about</a:t>
+            </a:r>
+          </a:p>
+          <a:p>
+            <a:pPr marL="742950" lvl="1" indent="-285750" rtl="0" fontAlgn="base">
+              <a:spcBef>
+                <a:spcPts val="0"/>
+              </a:spcBef>
+              <a:spcAft>
+                <a:spcPts val="0"/>
+              </a:spcAft>
+              <a:buFont typeface="Arial" panose="020B0604020202020204" pitchFamily="34" charset="0"/>
+              <a:buChar char="•"/>
+            </a:pPr>
+            <a:r>
+              <a:rPr lang="en-US" sz="2000" b="0" i="0" u="none" strike="noStrike" dirty="0">
+                <a:solidFill>
+                  <a:srgbClr val="000000"/>
+                </a:solidFill>
+                <a:effectLst/>
+                <a:latin typeface="Times New Roman" panose="02020603050405020304" pitchFamily="18" charset="0"/>
+              </a:rPr>
+              <a:t>operations that sort</a:t>
+            </a:r>
+          </a:p>
+          <a:p>
+            <a:pPr marL="742950" lvl="1" indent="-285750" rtl="0" fontAlgn="base">
+              <a:spcBef>
+                <a:spcPts val="0"/>
+              </a:spcBef>
+              <a:spcAft>
+                <a:spcPts val="0"/>
+              </a:spcAft>
+              <a:buFont typeface="Arial" panose="020B0604020202020204" pitchFamily="34" charset="0"/>
+              <a:buChar char="•"/>
+            </a:pPr>
+            <a:r>
+              <a:rPr lang="en-US" sz="2000" b="0" i="0" u="none" strike="noStrike" dirty="0">
+                <a:solidFill>
+                  <a:srgbClr val="000000"/>
+                </a:solidFill>
+                <a:effectLst/>
+                <a:latin typeface="Times New Roman" panose="02020603050405020304" pitchFamily="18" charset="0"/>
+              </a:rPr>
+              <a:t>operations that work on various data structures (e.g., </a:t>
+            </a:r>
+            <a:r>
+              <a:rPr lang="en-US" sz="2000" b="0" i="0" u="none" strike="noStrike" dirty="0" err="1">
+                <a:solidFill>
+                  <a:srgbClr val="000000"/>
+                </a:solidFill>
+                <a:effectLst/>
+                <a:latin typeface="Times New Roman" panose="02020603050405020304" pitchFamily="18" charset="0"/>
+              </a:rPr>
+              <a:t>ArrayList</a:t>
+            </a:r>
+            <a:r>
+              <a:rPr lang="en-US" sz="2000" b="0" i="0" u="none" strike="noStrike" dirty="0">
+                <a:solidFill>
+                  <a:srgbClr val="000000"/>
+                </a:solidFill>
+                <a:effectLst/>
+                <a:latin typeface="Times New Roman" panose="02020603050405020304" pitchFamily="18" charset="0"/>
+              </a:rPr>
+              <a:t>)</a:t>
+            </a:r>
+          </a:p>
+          <a:p>
+            <a:pPr marL="742950" lvl="1" indent="-285750" rtl="0" fontAlgn="base">
+              <a:spcBef>
+                <a:spcPts val="0"/>
+              </a:spcBef>
+              <a:spcAft>
+                <a:spcPts val="0"/>
+              </a:spcAft>
+              <a:buFont typeface="Arial" panose="020B0604020202020204" pitchFamily="34" charset="0"/>
+              <a:buChar char="•"/>
+            </a:pPr>
+            <a:r>
+              <a:rPr lang="en-US" sz="2000" b="0" i="0" u="none" strike="noStrike" dirty="0">
+                <a:solidFill>
+                  <a:srgbClr val="000000"/>
+                </a:solidFill>
+                <a:effectLst/>
+                <a:latin typeface="Times New Roman" panose="02020603050405020304" pitchFamily="18" charset="0"/>
+              </a:rPr>
+              <a:t>small snippets of code with for-loops</a:t>
             </a:r>
           </a:p>
           <a:p>
@@ -4644,10 +4770,116 @@
               <a:buChar char="•"/>
             </a:pPr>
             <a:r>
-              <a:rPr lang="en-US" sz="4000" dirty="0">
-                <a:latin typeface="+mj-lt"/>
+              <a:rPr lang="en-US" sz="2000" b="0" i="0" u="none" strike="noStrike" dirty="0">
+                <a:solidFill>
+                  <a:srgbClr val="000000"/>
+                </a:solidFill>
+                <a:effectLst/>
+                <a:latin typeface="Times New Roman" panose="02020603050405020304" pitchFamily="18" charset="0"/>
               </a:rPr>
-              <a:t>Collision handling</a:t>
+              <a:t>Design Question – Solution A, Solution B, etc.</a:t>
+            </a:r>
+          </a:p>
+          <a:p>
+            <a:pPr rtl="0" fontAlgn="base">
+              <a:spcBef>
+                <a:spcPts val="0"/>
+              </a:spcBef>
+              <a:spcAft>
+                <a:spcPts val="0"/>
+              </a:spcAft>
+              <a:buFont typeface="Arial" panose="020B0604020202020204" pitchFamily="34" charset="0"/>
+              <a:buChar char="•"/>
+            </a:pPr>
+            <a:r>
+              <a:rPr lang="en-US" sz="2000" b="0" i="0" u="none" strike="noStrike" dirty="0">
+                <a:solidFill>
+                  <a:srgbClr val="000000"/>
+                </a:solidFill>
+                <a:effectLst/>
+                <a:latin typeface="Times New Roman" panose="02020603050405020304" pitchFamily="18" charset="0"/>
+              </a:rPr>
+              <a:t>Inheritance and Polymorphism</a:t>
+            </a:r>
+          </a:p>
+          <a:p>
+            <a:pPr marL="742950" lvl="1" indent="-285750" rtl="0" fontAlgn="base">
+              <a:spcBef>
+                <a:spcPts val="0"/>
+              </a:spcBef>
+              <a:spcAft>
+                <a:spcPts val="0"/>
+              </a:spcAft>
+              <a:buFont typeface="Arial" panose="020B0604020202020204" pitchFamily="34" charset="0"/>
+              <a:buChar char="•"/>
+            </a:pPr>
+            <a:r>
+              <a:rPr lang="en-US" sz="2000" b="0" i="0" u="none" strike="noStrike" dirty="0">
+                <a:solidFill>
+                  <a:srgbClr val="000000"/>
+                </a:solidFill>
+                <a:effectLst/>
+                <a:latin typeface="Times New Roman" panose="02020603050405020304" pitchFamily="18" charset="0"/>
+              </a:rPr>
+              <a:t>diagram the inheritance hierarchy</a:t>
+            </a:r>
+          </a:p>
+          <a:p>
+            <a:pPr marL="742950" lvl="1" indent="-285750" rtl="0" fontAlgn="base">
+              <a:spcBef>
+                <a:spcPts val="0"/>
+              </a:spcBef>
+              <a:spcAft>
+                <a:spcPts val="0"/>
+              </a:spcAft>
+              <a:buFont typeface="Arial" panose="020B0604020202020204" pitchFamily="34" charset="0"/>
+              <a:buChar char="•"/>
+            </a:pPr>
+            <a:r>
+              <a:rPr lang="en-US" sz="2000" b="0" i="0" u="none" strike="noStrike" dirty="0">
+                <a:solidFill>
+                  <a:srgbClr val="000000"/>
+                </a:solidFill>
+                <a:effectLst/>
+                <a:latin typeface="Times New Roman" panose="02020603050405020304" pitchFamily="18" charset="0"/>
+              </a:rPr>
+              <a:t>determine if an operation call (or a declaration) compiles/runs/outputs</a:t>
+            </a:r>
+            <a:endParaRPr lang="en-US" sz="5400" b="0" i="0" u="none" strike="noStrike" dirty="0">
+              <a:solidFill>
+                <a:srgbClr val="000000"/>
+              </a:solidFill>
+              <a:effectLst/>
+              <a:latin typeface="Times New Roman" panose="02020603050405020304" pitchFamily="18" charset="0"/>
+            </a:endParaRPr>
+          </a:p>
+          <a:p>
+            <a:pPr indent="-285750" fontAlgn="base">
+              <a:spcBef>
+                <a:spcPts val="0"/>
+              </a:spcBef>
+            </a:pPr>
+            <a:endParaRPr lang="en-US" sz="2400" dirty="0">
+              <a:solidFill>
+                <a:srgbClr val="000000"/>
+              </a:solidFill>
+              <a:latin typeface="Times New Roman" panose="02020603050405020304" pitchFamily="18" charset="0"/>
+            </a:endParaRPr>
+          </a:p>
+          <a:p>
+            <a:pPr indent="-285750" fontAlgn="base">
+              <a:spcBef>
+                <a:spcPts val="0"/>
+              </a:spcBef>
+            </a:pPr>
+            <a:r>
+              <a:rPr lang="en-US" sz="2400" dirty="0">
+                <a:solidFill>
+                  <a:srgbClr val="000000"/>
+                </a:solidFill>
+                <a:latin typeface="Times New Roman" panose="02020603050405020304" pitchFamily="18" charset="0"/>
+              </a:rPr>
+              <a:t>Preparation</a:t>
             </a:r>
           </a:p>
           <a:p>
@@ -4655,14 +4887,26 @@
               <a:spcBef>
                 <a:spcPts val="0"/>
               </a:spcBef>
-              <a:buFont typeface="Arial" panose="020B0604020202020204" pitchFamily="34" charset="0"/>
-              <a:buChar char="•"/>
-            </a:pPr>
-            <a:r>
-              <a:rPr lang="en-US" sz="3600" dirty="0">
-                <a:latin typeface="+mj-lt"/>
+            </a:pPr>
+            <a:r>
+              <a:rPr lang="en-US" sz="2000" b="0" i="0" u="none" strike="noStrike" dirty="0">
+                <a:solidFill>
+                  <a:srgbClr val="000000"/>
+                </a:solidFill>
+                <a:effectLst/>
+                <a:latin typeface="Times New Roman" panose="02020603050405020304" pitchFamily="18" charset="0"/>
               </a:rPr>
-              <a:t>Cannot use type predicated code</a:t>
+              <a:t>Practice exams </a:t>
+            </a:r>
+            <a:r>
+              <a:rPr lang="en-US" sz="2000" b="1" i="0" u="sng" strike="noStrike" dirty="0">
+                <a:solidFill>
+                  <a:srgbClr val="000000"/>
+                </a:solidFill>
+                <a:effectLst/>
+                <a:latin typeface="Times New Roman" panose="02020603050405020304" pitchFamily="18" charset="0"/>
+              </a:rPr>
+              <a:t>(do practice exam sorting algorithms!)</a:t>
             </a:r>
           </a:p>
           <a:p>
@@ -4670,70 +4914,30 @@
               <a:spcBef>
                 <a:spcPts val="0"/>
               </a:spcBef>
-              <a:buFont typeface="Arial" panose="020B0604020202020204" pitchFamily="34" charset="0"/>
-              <a:buChar char="•"/>
-            </a:pPr>
-            <a:endParaRPr lang="en-US" sz="3600" dirty="0">
-              <a:latin typeface="+mj-lt"/>
+            </a:pPr>
+            <a:r>
+              <a:rPr lang="en-US" sz="2000" dirty="0">
+                <a:solidFill>
+                  <a:srgbClr val="000000"/>
+                </a:solidFill>
+                <a:latin typeface="Times New Roman" panose="02020603050405020304" pitchFamily="18" charset="0"/>
+              </a:rPr>
+              <a:t>Quizzes</a:t>
+            </a:r>
+            <a:endParaRPr lang="en-US" sz="2000" b="0" i="0" u="none" strike="noStrike" dirty="0">
+              <a:solidFill>
+                <a:srgbClr val="000000"/>
+              </a:solidFill>
+              <a:effectLst/>
+              <a:latin typeface="Times New Roman" panose="02020603050405020304" pitchFamily="18" charset="0"/>
             </a:endParaRPr>
-          </a:p>
-          <a:p>
-            <a:pPr fontAlgn="base">
-              <a:spcBef>
-                <a:spcPts val="0"/>
-              </a:spcBef>
-            </a:pPr>
-            <a:r>
-              <a:rPr lang="en-US" sz="4000" dirty="0">
-                <a:latin typeface="+mj-lt"/>
-              </a:rPr>
-              <a:t>Preparation:</a:t>
-            </a:r>
-          </a:p>
-          <a:p>
-            <a:pPr lvl="1" fontAlgn="base">
-              <a:spcBef>
-                <a:spcPts val="0"/>
-              </a:spcBef>
-            </a:pPr>
-            <a:r>
-              <a:rPr lang="en-US" sz="3600" dirty="0">
-                <a:latin typeface="+mj-lt"/>
-              </a:rPr>
-              <a:t>Practice exams</a:t>
-            </a:r>
-          </a:p>
-          <a:p>
-            <a:pPr lvl="1" fontAlgn="base">
-              <a:spcBef>
-                <a:spcPts val="0"/>
-              </a:spcBef>
-            </a:pPr>
-            <a:r>
-              <a:rPr lang="en-US" sz="3600" dirty="0">
-                <a:latin typeface="+mj-lt"/>
-              </a:rPr>
-              <a:t>Raindrop code (</a:t>
-            </a:r>
-            <a:r>
-              <a:rPr lang="en-US" sz="3600" dirty="0" err="1">
-                <a:latin typeface="+mj-lt"/>
-              </a:rPr>
-              <a:t>InheritanceDesign</a:t>
-            </a:r>
-            <a:r>
-              <a:rPr lang="en-US" sz="3600" dirty="0">
-                <a:latin typeface="+mj-lt"/>
-              </a:rPr>
-              <a:t>)</a:t>
-            </a:r>
           </a:p>
         </p:txBody>
       </p:sp>
     </p:spTree>
     <p:extLst>
       <p:ext uri="{BB962C8B-B14F-4D97-AF65-F5344CB8AC3E}">
-        <p14:creationId xmlns:p14="http://schemas.microsoft.com/office/powerpoint/2010/main" val="4071921695"/>
+        <p14:creationId xmlns:p14="http://schemas.microsoft.com/office/powerpoint/2010/main" val="3090317874"/>
       </p:ext>
     </p:extLst>
   </p:cSld>
@@ -4765,7 +4969,7 @@
           <p:cNvPr id="2" name="Title 1">
             <a:extLst>
               <a:ext uri="{FF2B5EF4-FFF2-40B4-BE49-F238E27FC236}">
-                <a16:creationId xmlns:a16="http://schemas.microsoft.com/office/drawing/2014/main" id="{A99D4E72-2CF7-2C9A-444F-E6F7509E65C2}"/>
+                <a16:creationId xmlns:a16="http://schemas.microsoft.com/office/drawing/2014/main" id="{B68E39AC-AC51-449A-681A-CF8B85340A36}"/>
               </a:ext>
             </a:extLst>
           </p:cNvPr>
@@ -4791,7 +4995,7 @@
                 <a:effectLst/>
                 <a:latin typeface="Times New Roman" panose="02020603050405020304" pitchFamily="18" charset="0"/>
               </a:rPr>
-              <a:t>Written Part (In-Class)</a:t>
+              <a:t>Computing Part (In-Class)</a:t>
             </a:r>
             <a:endParaRPr lang="en-US" dirty="0"/>
           </a:p>
@@ -4802,7 +5006,7 @@
           <p:cNvPr id="3" name="Content Placeholder 2">
             <a:extLst>
               <a:ext uri="{FF2B5EF4-FFF2-40B4-BE49-F238E27FC236}">
-                <a16:creationId xmlns:a16="http://schemas.microsoft.com/office/drawing/2014/main" id="{404F99C5-1D71-DF3A-E12F-E976346DF81F}"/>
+                <a16:creationId xmlns:a16="http://schemas.microsoft.com/office/drawing/2014/main" id="{AA251AD2-5F44-F27A-DE54-045678E1CF7F}"/>
               </a:ext>
             </a:extLst>
           </p:cNvPr>
@@ -4816,7 +5020,7 @@
         <p:spPr/>
         <p:txBody>
           <a:bodyPr>
-            <a:normAutofit/>
+            <a:normAutofit fontScale="92500" lnSpcReduction="10000"/>
           </a:bodyPr>
           <a:lstStyle/>
           <a:p>
@@ -4831,74 +5035,24 @@
               <a:buChar char="•"/>
             </a:pPr>
             <a:r>
-              <a:rPr lang="en-US" sz="2000" b="0" i="0" u="none" strike="noStrike" dirty="0">
+              <a:rPr lang="en-US" sz="2400" b="0" i="0" u="none" strike="noStrike" dirty="0" err="1">
                 <a:solidFill>
                   <a:srgbClr val="000000"/>
                 </a:solidFill>
                 <a:effectLst/>
                 <a:latin typeface="Times New Roman" panose="02020603050405020304" pitchFamily="18" charset="0"/>
               </a:rPr>
-              <a:t>Questions on sorting algorithms (</a:t>
-            </a:r>
-            <a:r>
-              <a:rPr lang="en-US" sz="2000" b="0" i="1" u="none" strike="noStrike" dirty="0" err="1">
+              <a:t>RefactoringGraphics</a:t>
+            </a:r>
+            <a:r>
+              <a:rPr lang="en-US" sz="2400" b="0" i="0" u="none" strike="noStrike" dirty="0">
                 <a:solidFill>
                   <a:srgbClr val="000000"/>
                 </a:solidFill>
                 <a:effectLst/>
                 <a:latin typeface="Times New Roman" panose="02020603050405020304" pitchFamily="18" charset="0"/>
               </a:rPr>
-              <a:t>insertionSort</a:t>
-            </a:r>
-            <a:r>
-              <a:rPr lang="en-US" sz="2000" b="0" i="0" u="none" strike="noStrike" dirty="0">
-                <a:solidFill>
-                  <a:srgbClr val="000000"/>
-                </a:solidFill>
-                <a:effectLst/>
-                <a:latin typeface="Times New Roman" panose="02020603050405020304" pitchFamily="18" charset="0"/>
-              </a:rPr>
-              <a:t>, </a:t>
-            </a:r>
-            <a:r>
-              <a:rPr lang="en-US" sz="2000" b="0" i="1" u="none" strike="noStrike" dirty="0" err="1">
-                <a:solidFill>
-                  <a:srgbClr val="000000"/>
-                </a:solidFill>
-                <a:effectLst/>
-                <a:latin typeface="Times New Roman" panose="02020603050405020304" pitchFamily="18" charset="0"/>
-              </a:rPr>
-              <a:t>selectionSort</a:t>
-            </a:r>
-            <a:r>
-              <a:rPr lang="en-US" sz="2000" b="0" i="0" u="none" strike="noStrike" dirty="0">
-                <a:solidFill>
-                  <a:srgbClr val="000000"/>
-                </a:solidFill>
-                <a:effectLst/>
-                <a:latin typeface="Times New Roman" panose="02020603050405020304" pitchFamily="18" charset="0"/>
-              </a:rPr>
-              <a:t>, </a:t>
-            </a:r>
-            <a:r>
-              <a:rPr lang="en-US" sz="2000" b="0" i="1" u="none" strike="noStrike" dirty="0" err="1">
-                <a:solidFill>
-                  <a:srgbClr val="000000"/>
-                </a:solidFill>
-                <a:effectLst/>
-                <a:latin typeface="Times New Roman" panose="02020603050405020304" pitchFamily="18" charset="0"/>
-              </a:rPr>
-              <a:t>mergeSort</a:t>
-            </a:r>
-            <a:r>
-              <a:rPr lang="en-US" sz="2000" b="0" i="0" u="none" strike="noStrike" dirty="0">
-                <a:solidFill>
-                  <a:srgbClr val="000000"/>
-                </a:solidFill>
-                <a:effectLst/>
-                <a:latin typeface="Times New Roman" panose="02020603050405020304" pitchFamily="18" charset="0"/>
-              </a:rPr>
-              <a:t>)</a:t>
+              <a:t> – 1 problem</a:t>
             </a:r>
           </a:p>
           <a:p>
@@ -4913,14 +5067,65 @@
               <a:buChar char="•"/>
             </a:pPr>
             <a:r>
-              <a:rPr lang="en-US" sz="2000" b="0" i="0" u="none" strike="noStrike" dirty="0">
+              <a:rPr lang="en-US" sz="2400" b="0" i="0" u="none" strike="noStrike" dirty="0">
                 <a:solidFill>
                   <a:srgbClr val="000000"/>
                 </a:solidFill>
                 <a:effectLst/>
                 <a:latin typeface="Times New Roman" panose="02020603050405020304" pitchFamily="18" charset="0"/>
               </a:rPr>
-              <a:t>Big-O questions about</a:t>
+              <a:t>HashMap – 1 problem</a:t>
+            </a:r>
+          </a:p>
+          <a:p>
+            <a:pPr rtl="0" fontAlgn="base">
+              <a:spcBef>
+                <a:spcPts val="0"/>
+              </a:spcBef>
+              <a:spcAft>
+                <a:spcPts val="0"/>
+              </a:spcAft>
+              <a:buFont typeface="Arial" panose="020B0604020202020204" pitchFamily="34" charset="0"/>
+              <a:buChar char="•"/>
+            </a:pPr>
+            <a:r>
+              <a:rPr lang="en-US" sz="2400" b="0" i="0" u="none" strike="noStrike" dirty="0" err="1">
+                <a:solidFill>
+                  <a:srgbClr val="000000"/>
+                </a:solidFill>
+                <a:effectLst/>
+                <a:latin typeface="Times New Roman" panose="02020603050405020304" pitchFamily="18" charset="0"/>
+              </a:rPr>
+              <a:t>SinglyLinkedList</a:t>
+            </a:r>
+            <a:r>
+              <a:rPr lang="en-US" sz="2400" b="0" i="0" u="none" strike="noStrike" dirty="0">
+                <a:solidFill>
+                  <a:srgbClr val="000000"/>
+                </a:solidFill>
+                <a:effectLst/>
+                <a:latin typeface="Times New Roman" panose="02020603050405020304" pitchFamily="18" charset="0"/>
+              </a:rPr>
+              <a:t> Algorithms</a:t>
+            </a:r>
+            <a:br>
+              <a:rPr lang="en-US" sz="2400" b="0" i="0" u="none" strike="noStrike" dirty="0">
+                <a:solidFill>
+                  <a:srgbClr val="000000"/>
+                </a:solidFill>
+                <a:effectLst/>
+                <a:latin typeface="Times New Roman" panose="02020603050405020304" pitchFamily="18" charset="0"/>
+              </a:rPr>
+            </a:br>
+            <a:r>
+              <a:rPr lang="en-US" sz="2400" b="0" i="0" u="none" strike="noStrike" dirty="0">
+                <a:solidFill>
+                  <a:srgbClr val="000000"/>
+                </a:solidFill>
+                <a:effectLst/>
+                <a:latin typeface="Times New Roman" panose="02020603050405020304" pitchFamily="18" charset="0"/>
+              </a:rPr>
+              <a:t>3 problems drawn from the following types:</a:t>
             </a:r>
           </a:p>
           <a:p>
@@ -4935,14 +5140,14 @@
               <a:buChar char="•"/>
             </a:pPr>
             <a:r>
-              <a:rPr lang="en-US" sz="2000" b="0" i="0" u="none" strike="noStrike" dirty="0">
+              <a:rPr lang="en-US" sz="2400" b="0" i="0" u="none" strike="noStrike" dirty="0">
                 <a:solidFill>
                   <a:srgbClr val="000000"/>
                 </a:solidFill>
                 <a:effectLst/>
                 <a:latin typeface="Times New Roman" panose="02020603050405020304" pitchFamily="18" charset="0"/>
               </a:rPr>
-              <a:t>operations that sort</a:t>
+              <a:t>Remove an item from an existing list</a:t>
             </a:r>
           </a:p>
           <a:p>
@@ -4957,34 +5162,14 @@
               <a:buChar char="•"/>
             </a:pPr>
             <a:r>
-              <a:rPr lang="en-US" sz="2000" b="0" i="0" u="none" strike="noStrike" dirty="0">
+              <a:rPr lang="en-US" sz="2400" b="0" i="0" u="none" strike="noStrike" dirty="0">
                 <a:solidFill>
                   <a:srgbClr val="000000"/>
                 </a:solidFill>
                 <a:effectLst/>
                 <a:latin typeface="Times New Roman" panose="02020603050405020304" pitchFamily="18" charset="0"/>
               </a:rPr>
-              <a:t>operations that work on various data structures (e.g., </a:t>
-            </a:r>
-            <a:r>
-              <a:rPr lang="en-US" sz="2000" b="0" i="0" u="none" strike="noStrike" dirty="0" err="1">
-                <a:solidFill>
-                  <a:srgbClr val="000000"/>
-                </a:solidFill>
-                <a:effectLst/>
-                <a:latin typeface="Times New Roman" panose="02020603050405020304" pitchFamily="18" charset="0"/>
-              </a:rPr>
-              <a:t>ArrayList</a:t>
-            </a:r>
-            <a:r>
-              <a:rPr lang="en-US" sz="2000" b="0" i="0" u="none" strike="noStrike" dirty="0">
-                <a:solidFill>
-                  <a:srgbClr val="000000"/>
-                </a:solidFill>
-                <a:effectLst/>
-                <a:latin typeface="Times New Roman" panose="02020603050405020304" pitchFamily="18" charset="0"/>
-              </a:rPr>
-              <a:t>)</a:t>
+              <a:t>Insert into a list</a:t>
             </a:r>
           </a:p>
           <a:p>
@@ -4999,58 +5184,14 @@
               <a:buChar char="•"/>
             </a:pPr>
             <a:r>
-              <a:rPr lang="en-US" sz="2000" b="0" i="0" u="none" strike="noStrike" dirty="0">
+              <a:rPr lang="en-US" sz="2400" b="0" i="0" u="none" strike="noStrike" dirty="0">
                 <a:solidFill>
                   <a:srgbClr val="000000"/>
                 </a:solidFill>
                 <a:effectLst/>
                 <a:latin typeface="Times New Roman" panose="02020603050405020304" pitchFamily="18" charset="0"/>
               </a:rPr>
-              <a:t>small snippets of code with for-loops</a:t>
-            </a:r>
-          </a:p>
-          <a:p>
-            <a:pPr rtl="0" fontAlgn="base">
-              <a:spcBef>
-                <a:spcPts val="0"/>
-              </a:spcBef>
-              <a:spcAft>
-                <a:spcPts val="0"/>
-              </a:spcAft>
-              <a:buFont typeface="Arial" panose="020B0604020202020204" pitchFamily="34" charset="0"/>
-              <a:buChar char="•"/>
-            </a:pPr>
-            <a:r>
-              <a:rPr lang="en-US" sz="2000" b="0" i="0" u="none" strike="noStrike" dirty="0">
-                <a:solidFill>
-                  <a:srgbClr val="000000"/>
-                </a:solidFill>
-                <a:effectLst/>
-                <a:latin typeface="Times New Roman" panose="02020603050405020304" pitchFamily="18" charset="0"/>
-              </a:rPr>
-              <a:t>Design Question – Solution A, Solution B, etc.</a:t>
-            </a:r>
-          </a:p>
-          <a:p>
-            <a:pPr rtl="0" fontAlgn="base">
-              <a:spcBef>
-                <a:spcPts val="0"/>
-              </a:spcBef>
-              <a:spcAft>
-                <a:spcPts val="0"/>
-              </a:spcAft>
-              <a:buFont typeface="Arial" panose="020B0604020202020204" pitchFamily="34" charset="0"/>
-              <a:buChar char="•"/>
-            </a:pPr>
-            <a:r>
-              <a:rPr lang="en-US" sz="2000" b="0" i="0" u="none" strike="noStrike" dirty="0">
-                <a:solidFill>
-                  <a:srgbClr val="000000"/>
-                </a:solidFill>
-                <a:effectLst/>
-                <a:latin typeface="Times New Roman" panose="02020603050405020304" pitchFamily="18" charset="0"/>
-              </a:rPr>
-              <a:t>Inheritance and Polymorphism</a:t>
+              <a:t>Traverse an existing list and do something with the values</a:t>
             </a:r>
           </a:p>
           <a:p>
@@ -5065,44 +5206,56 @@
               <a:buChar char="•"/>
             </a:pPr>
             <a:r>
-              <a:rPr lang="en-US" sz="2000" b="0" i="0" u="none" strike="noStrike" dirty="0">
+              <a:rPr lang="en-US" sz="2400" b="0" i="0" u="none" strike="noStrike" dirty="0">
                 <a:solidFill>
                   <a:srgbClr val="000000"/>
                 </a:solidFill>
                 <a:effectLst/>
                 <a:latin typeface="Times New Roman" panose="02020603050405020304" pitchFamily="18" charset="0"/>
               </a:rPr>
-              <a:t>diagram the inheritance hierarchy</a:t>
-            </a:r>
-          </a:p>
-          <a:p>
-            <a:pPr marL="742950" lvl="1" indent="-285750" rtl="0" fontAlgn="base">
+              <a:t>Reorganize the list by move 1 (or more) nodes</a:t>
+            </a:r>
+          </a:p>
+          <a:p>
+            <a:pPr marL="457200" lvl="1" indent="0" rtl="0" fontAlgn="base">
               <a:spcBef>
                 <a:spcPts val="0"/>
               </a:spcBef>
               <a:spcAft>
                 <a:spcPts val="0"/>
               </a:spcAft>
-              <a:buFont typeface="Arial" panose="020B0604020202020204" pitchFamily="34" charset="0"/>
-              <a:buChar char="•"/>
-            </a:pPr>
-            <a:r>
-              <a:rPr lang="en-US" sz="2000" b="0" i="0" u="none" strike="noStrike" dirty="0">
+              <a:buNone/>
+            </a:pPr>
+            <a:r>
+              <a:rPr lang="en-US" sz="2400" b="1" i="0" u="none" strike="noStrike" dirty="0">
                 <a:solidFill>
                   <a:srgbClr val="000000"/>
                 </a:solidFill>
                 <a:effectLst/>
                 <a:latin typeface="Times New Roman" panose="02020603050405020304" pitchFamily="18" charset="0"/>
               </a:rPr>
-              <a:t>determine if an operation call (or a declaration) compiles/runs/outputs</a:t>
-            </a:r>
-            <a:endParaRPr lang="en-US" sz="5400" b="0" i="0" u="none" strike="noStrike" dirty="0">
-              <a:solidFill>
-                <a:srgbClr val="000000"/>
-              </a:solidFill>
-              <a:effectLst/>
-              <a:latin typeface="Times New Roman" panose="02020603050405020304" pitchFamily="18" charset="0"/>
-            </a:endParaRPr>
+              <a:t>Note: 1 of the SLL will </a:t>
+            </a:r>
+            <a:r>
+              <a:rPr lang="en-US" sz="2400" b="1" i="0" u="sng" strike="noStrike" dirty="0">
+                <a:solidFill>
+                  <a:srgbClr val="000000"/>
+                </a:solidFill>
+                <a:effectLst/>
+                <a:latin typeface="Times New Roman" panose="02020603050405020304" pitchFamily="18" charset="0"/>
+              </a:rPr>
+              <a:t>require</a:t>
+            </a:r>
+            <a:r>
+              <a:rPr lang="en-US" sz="2400" b="1" i="0" u="none" strike="noStrike" dirty="0">
+                <a:solidFill>
+                  <a:srgbClr val="000000"/>
+                </a:solidFill>
+                <a:effectLst/>
+                <a:latin typeface="Times New Roman" panose="02020603050405020304" pitchFamily="18" charset="0"/>
+              </a:rPr>
+              <a:t> a recursive solution</a:t>
+            </a:r>
           </a:p>
           <a:p>
             <a:pPr indent="-285750" fontAlgn="base">
@@ -5110,7 +5263,7 @@
                 <a:spcPts val="0"/>
               </a:spcBef>
             </a:pPr>
-            <a:endParaRPr lang="en-US" sz="2400" dirty="0">
+            <a:endParaRPr lang="en-US" sz="2800" dirty="0">
               <a:solidFill>
                 <a:srgbClr val="000000"/>
               </a:solidFill>
@@ -5119,6 +5272,28 @@
           </a:p>
           <a:p>
             <a:pPr indent="-285750" fontAlgn="base">
+              <a:spcBef>
+                <a:spcPts val="0"/>
+              </a:spcBef>
+            </a:pPr>
+            <a:r>
+              <a:rPr lang="en-US" sz="2800" dirty="0">
+                <a:solidFill>
+                  <a:srgbClr val="000000"/>
+                </a:solidFill>
+                <a:latin typeface="Times New Roman" panose="02020603050405020304" pitchFamily="18" charset="0"/>
+              </a:rPr>
+              <a:t>Preparation</a:t>
+            </a:r>
+            <a:endParaRPr lang="en-US" sz="6000" dirty="0">
+              <a:solidFill>
+                <a:srgbClr val="000000"/>
+              </a:solidFill>
+              <a:latin typeface="Times New Roman" panose="02020603050405020304" pitchFamily="18" charset="0"/>
+            </a:endParaRPr>
+          </a:p>
+          <a:p>
+            <a:pPr lvl="1" fontAlgn="base">
               <a:spcBef>
                 <a:spcPts val="0"/>
               </a:spcBef>
@@ -5130,7 +5305,7 @@
                 </a:solidFill>
                 <a:latin typeface="Times New Roman" panose="02020603050405020304" pitchFamily="18" charset="0"/>
               </a:rPr>
-              <a:t>Preparation</a:t>
+              <a:t>Practice Exams</a:t>
             </a:r>
           </a:p>
           <a:p>
@@ -5140,55 +5315,37 @@
               </a:spcBef>
             </a:pPr>
             <a:r>
-              <a:rPr lang="en-US" sz="2000" b="0" i="0" u="none" strike="noStrike" dirty="0">
-                <a:solidFill>
-                  <a:srgbClr val="000000"/>
-                </a:solidFill>
-                <a:effectLst/>
-                <a:latin typeface="Times New Roman" panose="02020603050405020304" pitchFamily="18" charset="0"/>
-              </a:rPr>
-              <a:t>Practice exams </a:t>
-            </a:r>
-            <a:r>
-              <a:rPr lang="en-US" sz="2000" b="1" i="0" u="sng" strike="noStrike" dirty="0">
-                <a:solidFill>
-                  <a:srgbClr val="000000"/>
-                </a:solidFill>
-                <a:effectLst/>
-                <a:latin typeface="Times New Roman" panose="02020603050405020304" pitchFamily="18" charset="0"/>
-              </a:rPr>
-              <a:t>(do practice exam sorting algorithms!)</a:t>
-            </a:r>
-          </a:p>
-          <a:p>
-            <a:pPr lvl="1" fontAlgn="base">
-              <a:spcBef>
-                <a:spcPts val="0"/>
-              </a:spcBef>
-            </a:pPr>
-            <a:r>
-              <a:rPr lang="en-US" sz="2000" dirty="0">
+              <a:rPr lang="en-US" sz="2400" dirty="0">
                 <a:solidFill>
                   <a:srgbClr val="000000"/>
                 </a:solidFill>
                 <a:latin typeface="Times New Roman" panose="02020603050405020304" pitchFamily="18" charset="0"/>
               </a:rPr>
-              <a:t>Quizzes</a:t>
-            </a:r>
-            <a:endParaRPr lang="en-US" sz="2000" b="0" i="0" u="none" strike="noStrike" dirty="0">
-              <a:solidFill>
-                <a:srgbClr val="000000"/>
-              </a:solidFill>
-              <a:effectLst/>
-              <a:latin typeface="Times New Roman" panose="02020603050405020304" pitchFamily="18" charset="0"/>
-            </a:endParaRPr>
+              <a:t>LinkedList Homework and In-Class exercises</a:t>
+            </a:r>
+          </a:p>
+          <a:p>
+            <a:pPr lvl="1" fontAlgn="base">
+              <a:spcBef>
+                <a:spcPts val="0"/>
+              </a:spcBef>
+            </a:pPr>
+            <a:r>
+              <a:rPr lang="en-US" sz="2400" dirty="0">
+                <a:solidFill>
+                  <a:srgbClr val="000000"/>
+                </a:solidFill>
+                <a:latin typeface="Times New Roman" panose="02020603050405020304" pitchFamily="18" charset="0"/>
+              </a:rPr>
+              <a:t>Recursion (coding bat for extra practice)</a:t>
+            </a:r>
           </a:p>
         </p:txBody>
       </p:sp>
     </p:spTree>
     <p:extLst>
       <p:ext uri="{BB962C8B-B14F-4D97-AF65-F5344CB8AC3E}">
-        <p14:creationId xmlns:p14="http://schemas.microsoft.com/office/powerpoint/2010/main" val="3090317874"/>
+        <p14:creationId xmlns:p14="http://schemas.microsoft.com/office/powerpoint/2010/main" val="2830151678"/>
       </p:ext>
     </p:extLst>
   </p:cSld>
@@ -5220,7 +5377,7 @@
           <p:cNvPr id="2" name="Title 1">
             <a:extLst>
               <a:ext uri="{FF2B5EF4-FFF2-40B4-BE49-F238E27FC236}">
-                <a16:creationId xmlns:a16="http://schemas.microsoft.com/office/drawing/2014/main" id="{B68E39AC-AC51-449A-681A-CF8B85340A36}"/>
+                <a16:creationId xmlns:a16="http://schemas.microsoft.com/office/drawing/2014/main" id="{634DC018-2F6B-2F9B-144C-4B856B98061B}"/>
               </a:ext>
             </a:extLst>
           </p:cNvPr>
@@ -5246,7 +5403,7 @@
                 <a:effectLst/>
                 <a:latin typeface="Times New Roman" panose="02020603050405020304" pitchFamily="18" charset="0"/>
               </a:rPr>
-              <a:t>Computing Part (In-Class)</a:t>
+              <a:t>Graphics Part</a:t>
             </a:r>
             <a:endParaRPr lang="en-US" dirty="0"/>
           </a:p>
@@ -5257,7 +5414,7 @@
           <p:cNvPr id="3" name="Content Placeholder 2">
             <a:extLst>
               <a:ext uri="{FF2B5EF4-FFF2-40B4-BE49-F238E27FC236}">
-                <a16:creationId xmlns:a16="http://schemas.microsoft.com/office/drawing/2014/main" id="{AA251AD2-5F44-F27A-DE54-045678E1CF7F}"/>
+                <a16:creationId xmlns:a16="http://schemas.microsoft.com/office/drawing/2014/main" id="{A7BFB6E5-C164-25C8-6773-392A77969383}"/>
               </a:ext>
             </a:extLst>
           </p:cNvPr>
@@ -5271,7 +5428,7 @@
         <p:spPr/>
         <p:txBody>
           <a:bodyPr>
-            <a:normAutofit fontScale="92500" lnSpcReduction="10000"/>
+            <a:normAutofit lnSpcReduction="10000"/>
           </a:bodyPr>
           <a:lstStyle/>
           <a:p>
@@ -5286,14 +5443,14 @@
               <a:buChar char="•"/>
             </a:pPr>
             <a:r>
-              <a:rPr lang="en-US" sz="2400" b="0" i="0" u="none" strike="noStrike" dirty="0">
+              <a:rPr lang="en-US" sz="4000" b="0" i="0" u="none" strike="noStrike" dirty="0">
                 <a:solidFill>
                   <a:srgbClr val="000000"/>
                 </a:solidFill>
                 <a:effectLst/>
-                <a:latin typeface="Times New Roman" panose="02020603050405020304" pitchFamily="18" charset="0"/>
+                <a:latin typeface="+mj-lt"/>
               </a:rPr>
-              <a:t>Refactoring – 1 problem</a:t>
+              <a:t>Event driven</a:t>
             </a:r>
           </a:p>
           <a:p>
@@ -5308,14 +5465,14 @@
               <a:buChar char="•"/>
             </a:pPr>
             <a:r>
-              <a:rPr lang="en-US" sz="2400" b="0" i="0" u="none" strike="noStrike" dirty="0">
+              <a:rPr lang="en-US" sz="4000" b="0" i="0" u="none" strike="noStrike" dirty="0">
                 <a:solidFill>
                   <a:srgbClr val="000000"/>
                 </a:solidFill>
                 <a:effectLst/>
-                <a:latin typeface="Times New Roman" panose="02020603050405020304" pitchFamily="18" charset="0"/>
+                <a:latin typeface="+mj-lt"/>
               </a:rPr>
-              <a:t>HashMap – 1 problem</a:t>
+              <a:t>Timer events</a:t>
             </a:r>
           </a:p>
           <a:p>
@@ -5330,204 +5487,25 @@
               <a:buChar char="•"/>
             </a:pPr>
             <a:r>
-              <a:rPr lang="en-US" sz="2400" b="0" i="0" u="none" strike="noStrike" dirty="0">
-                <a:solidFill>
-                  <a:srgbClr val="000000"/>
-                </a:solidFill>
-                <a:effectLst/>
-                <a:latin typeface="Times New Roman" panose="02020603050405020304" pitchFamily="18" charset="0"/>
+              <a:rPr lang="en-US" sz="4000" dirty="0">
+                <a:latin typeface="+mj-lt"/>
               </a:rPr>
-              <a:t>Recursion – 1 problem</a:t>
-            </a:r>
-          </a:p>
-          <a:p>
-            <a:pPr rtl="0" fontAlgn="base">
-              <a:spcBef>
-                <a:spcPts val="0"/>
-              </a:spcBef>
-              <a:spcAft>
-                <a:spcPts val="0"/>
-              </a:spcAft>
-              <a:buFont typeface="Arial" panose="020B0604020202020204" pitchFamily="34" charset="0"/>
-              <a:buChar char="•"/>
-            </a:pPr>
-            <a:r>
-              <a:rPr lang="en-US" sz="2400" b="0" i="0" u="none" strike="noStrike" dirty="0" err="1">
-                <a:solidFill>
-                  <a:srgbClr val="000000"/>
-                </a:solidFill>
-                <a:effectLst/>
-                <a:latin typeface="Times New Roman" panose="02020603050405020304" pitchFamily="18" charset="0"/>
-              </a:rPr>
-              <a:t>SinglyLinkedList</a:t>
-            </a:r>
-            <a:r>
-              <a:rPr lang="en-US" sz="2400" b="0" i="0" u="none" strike="noStrike" dirty="0">
-                <a:solidFill>
-                  <a:srgbClr val="000000"/>
-                </a:solidFill>
-                <a:effectLst/>
-                <a:latin typeface="Times New Roman" panose="02020603050405020304" pitchFamily="18" charset="0"/>
-              </a:rPr>
-              <a:t> Algorithms</a:t>
-            </a:r>
-            <a:br>
-              <a:rPr lang="en-US" sz="2400" b="0" i="0" u="none" strike="noStrike" dirty="0">
-                <a:solidFill>
-                  <a:srgbClr val="000000"/>
-                </a:solidFill>
-                <a:effectLst/>
-                <a:latin typeface="Times New Roman" panose="02020603050405020304" pitchFamily="18" charset="0"/>
-              </a:rPr>
-            </a:br>
-            <a:r>
-              <a:rPr lang="en-US" sz="2400" b="0" i="0" u="none" strike="noStrike" dirty="0">
-                <a:solidFill>
-                  <a:srgbClr val="000000"/>
-                </a:solidFill>
-                <a:effectLst/>
-                <a:latin typeface="Times New Roman" panose="02020603050405020304" pitchFamily="18" charset="0"/>
-              </a:rPr>
-              <a:t>3 problems drawn from the following types:</a:t>
-            </a:r>
-          </a:p>
-          <a:p>
-            <a:pPr marL="742950" lvl="1" indent="-285750" rtl="0" fontAlgn="base">
-              <a:spcBef>
-                <a:spcPts val="0"/>
-              </a:spcBef>
-              <a:spcAft>
-                <a:spcPts val="0"/>
-              </a:spcAft>
-              <a:buFont typeface="Arial" panose="020B0604020202020204" pitchFamily="34" charset="0"/>
-              <a:buChar char="•"/>
-            </a:pPr>
-            <a:r>
-              <a:rPr lang="en-US" sz="2400" b="0" i="0" u="none" strike="noStrike" dirty="0">
-                <a:solidFill>
-                  <a:srgbClr val="000000"/>
-                </a:solidFill>
-                <a:effectLst/>
-                <a:latin typeface="Times New Roman" panose="02020603050405020304" pitchFamily="18" charset="0"/>
-              </a:rPr>
-              <a:t>Remove an item from an existing list</a:t>
-            </a:r>
-          </a:p>
-          <a:p>
-            <a:pPr marL="742950" lvl="1" indent="-285750" rtl="0" fontAlgn="base">
-              <a:spcBef>
-                <a:spcPts val="0"/>
-              </a:spcBef>
-              <a:spcAft>
-                <a:spcPts val="0"/>
-              </a:spcAft>
-              <a:buFont typeface="Arial" panose="020B0604020202020204" pitchFamily="34" charset="0"/>
-              <a:buChar char="•"/>
-            </a:pPr>
-            <a:r>
-              <a:rPr lang="en-US" sz="2400" b="0" i="0" u="none" strike="noStrike" dirty="0">
-                <a:solidFill>
-                  <a:srgbClr val="000000"/>
-                </a:solidFill>
-                <a:effectLst/>
-                <a:latin typeface="Times New Roman" panose="02020603050405020304" pitchFamily="18" charset="0"/>
-              </a:rPr>
-              <a:t>Insert into a list</a:t>
-            </a:r>
-          </a:p>
-          <a:p>
-            <a:pPr marL="742950" lvl="1" indent="-285750" rtl="0" fontAlgn="base">
-              <a:spcBef>
-                <a:spcPts val="0"/>
-              </a:spcBef>
-              <a:spcAft>
-                <a:spcPts val="0"/>
-              </a:spcAft>
-              <a:buFont typeface="Arial" panose="020B0604020202020204" pitchFamily="34" charset="0"/>
-              <a:buChar char="•"/>
-            </a:pPr>
-            <a:r>
-              <a:rPr lang="en-US" sz="2400" b="0" i="0" u="none" strike="noStrike" dirty="0">
-                <a:solidFill>
-                  <a:srgbClr val="000000"/>
-                </a:solidFill>
-                <a:effectLst/>
-                <a:latin typeface="Times New Roman" panose="02020603050405020304" pitchFamily="18" charset="0"/>
-              </a:rPr>
-              <a:t>Traverse an existing list and do something with the values</a:t>
-            </a:r>
-          </a:p>
-          <a:p>
-            <a:pPr marL="742950" lvl="1" indent="-285750" rtl="0" fontAlgn="base">
-              <a:spcBef>
-                <a:spcPts val="0"/>
-              </a:spcBef>
-              <a:spcAft>
-                <a:spcPts val="0"/>
-              </a:spcAft>
-              <a:buFont typeface="Arial" panose="020B0604020202020204" pitchFamily="34" charset="0"/>
-              <a:buChar char="•"/>
-            </a:pPr>
-            <a:r>
-              <a:rPr lang="en-US" sz="2400" b="0" i="0" u="none" strike="noStrike" dirty="0">
-                <a:solidFill>
-                  <a:srgbClr val="000000"/>
-                </a:solidFill>
-                <a:effectLst/>
-                <a:latin typeface="Times New Roman" panose="02020603050405020304" pitchFamily="18" charset="0"/>
-              </a:rPr>
-              <a:t>Reorganize the list by move 1 (or more) nodes</a:t>
-            </a:r>
-          </a:p>
-          <a:p>
-            <a:pPr indent="-285750" fontAlgn="base">
-              <a:spcBef>
-                <a:spcPts val="0"/>
-              </a:spcBef>
-            </a:pPr>
-            <a:endParaRPr lang="en-US" sz="2800" dirty="0">
-              <a:solidFill>
-                <a:srgbClr val="000000"/>
-              </a:solidFill>
-              <a:latin typeface="Times New Roman" panose="02020603050405020304" pitchFamily="18" charset="0"/>
-            </a:endParaRPr>
-          </a:p>
-          <a:p>
-            <a:pPr indent="-285750" fontAlgn="base">
-              <a:spcBef>
-                <a:spcPts val="0"/>
-              </a:spcBef>
-            </a:pPr>
-            <a:r>
-              <a:rPr lang="en-US" sz="2800" dirty="0">
-                <a:solidFill>
-                  <a:srgbClr val="000000"/>
-                </a:solidFill>
-                <a:latin typeface="Times New Roman" panose="02020603050405020304" pitchFamily="18" charset="0"/>
-              </a:rPr>
-              <a:t>Preparation</a:t>
-            </a:r>
-            <a:endParaRPr lang="en-US" sz="6000" dirty="0">
-              <a:solidFill>
-                <a:srgbClr val="000000"/>
-              </a:solidFill>
-              <a:latin typeface="Times New Roman" panose="02020603050405020304" pitchFamily="18" charset="0"/>
-            </a:endParaRPr>
+              <a:t>Collision handling</a:t>
+            </a:r>
           </a:p>
           <a:p>
             <a:pPr lvl="1" fontAlgn="base">
               <a:spcBef>
                 <a:spcPts val="0"/>
               </a:spcBef>
-            </a:pPr>
-            <a:r>
-              <a:rPr lang="en-US" sz="2400" dirty="0">
-                <a:solidFill>
-                  <a:srgbClr val="000000"/>
-                </a:solidFill>
-                <a:latin typeface="Times New Roman" panose="02020603050405020304" pitchFamily="18" charset="0"/>
+              <a:buFont typeface="Arial" panose="020B0604020202020204" pitchFamily="34" charset="0"/>
+              <a:buChar char="•"/>
+            </a:pPr>
+            <a:r>
+              <a:rPr lang="en-US" sz="3600" dirty="0">
+                <a:latin typeface="+mj-lt"/>
               </a:rPr>
-              <a:t>Practice Exams</a:t>
+              <a:t>Cannot use type predicated code</a:t>
             </a:r>
           </a:p>
           <a:p>
@@ -5535,15 +5513,24 @@
               <a:spcBef>
                 <a:spcPts val="0"/>
               </a:spcBef>
-            </a:pPr>
-            <a:r>
-              <a:rPr lang="en-US" sz="2400" dirty="0">
-                <a:solidFill>
-                  <a:srgbClr val="000000"/>
-                </a:solidFill>
-                <a:latin typeface="Times New Roman" panose="02020603050405020304" pitchFamily="18" charset="0"/>
+              <a:buFont typeface="Arial" panose="020B0604020202020204" pitchFamily="34" charset="0"/>
+              <a:buChar char="•"/>
+            </a:pPr>
+            <a:endParaRPr lang="en-US" sz="3600" dirty="0">
+              <a:latin typeface="+mj-lt"/>
+            </a:endParaRPr>
+          </a:p>
+          <a:p>
+            <a:pPr fontAlgn="base">
+              <a:spcBef>
+                <a:spcPts val="0"/>
+              </a:spcBef>
+            </a:pPr>
+            <a:r>
+              <a:rPr lang="en-US" sz="4000" dirty="0">
+                <a:latin typeface="+mj-lt"/>
               </a:rPr>
-              <a:t>LinkedList Homework and In-Class exercises</a:t>
+              <a:t>Preparation:</a:t>
             </a:r>
           </a:p>
           <a:p>
@@ -5553,13 +5540,35 @@
               </a:spcBef>
             </a:pPr>
             <a:r>
-              <a:rPr lang="en-US" sz="2400" dirty="0">
-                <a:solidFill>
-                  <a:srgbClr val="000000"/>
-                </a:solidFill>
-                <a:latin typeface="Times New Roman" panose="02020603050405020304" pitchFamily="18" charset="0"/>
+              <a:rPr lang="en-US" sz="3600" dirty="0">
+                <a:latin typeface="+mj-lt"/>
               </a:rPr>
-              <a:t>Recursion (coding bat for extra practice)</a:t>
+              <a:t>Practice exams</a:t>
+            </a:r>
+          </a:p>
+          <a:p>
+            <a:pPr lvl="1" fontAlgn="base">
+              <a:spcBef>
+                <a:spcPts val="0"/>
+              </a:spcBef>
+            </a:pPr>
+            <a:r>
+              <a:rPr lang="en-US" sz="3600" dirty="0">
+                <a:latin typeface="+mj-lt"/>
+              </a:rPr>
+              <a:t>Raindrop code (</a:t>
+            </a:r>
+            <a:r>
+              <a:rPr lang="en-US" sz="3600" dirty="0" err="1">
+                <a:latin typeface="+mj-lt"/>
+              </a:rPr>
+              <a:t>InheritanceDesign</a:t>
+            </a:r>
+            <a:r>
+              <a:rPr lang="en-US" sz="3600" dirty="0">
+                <a:latin typeface="+mj-lt"/>
+              </a:rPr>
+              <a:t>)</a:t>
             </a:r>
           </a:p>
         </p:txBody>
@@ -5567,7 +5576,7 @@
     </p:spTree>
     <p:extLst>
       <p:ext uri="{BB962C8B-B14F-4D97-AF65-F5344CB8AC3E}">
-        <p14:creationId xmlns:p14="http://schemas.microsoft.com/office/powerpoint/2010/main" val="2830151678"/>
+        <p14:creationId xmlns:p14="http://schemas.microsoft.com/office/powerpoint/2010/main" val="247488215"/>
       </p:ext>
     </p:extLst>
   </p:cSld>

--- a/ClassMaterials/ComparableAndComparators/Slides/Part3-FinalExam.pptx
+++ b/ClassMaterials/ComparableAndComparators/Slides/Part3-FinalExam.pptx
@@ -437,7 +437,7 @@
               <a:pPr>
                 <a:defRPr/>
               </a:pPr>
-              <a:t>5/26/2025</a:t>
+              <a:t>6/5/2025</a:t>
             </a:fld>
             <a:endParaRPr lang="en-US"/>
           </a:p>
@@ -672,7 +672,7 @@
               <a:pPr>
                 <a:defRPr/>
               </a:pPr>
-              <a:t>5/26/2025</a:t>
+              <a:t>6/5/2025</a:t>
             </a:fld>
             <a:endParaRPr lang="en-US"/>
           </a:p>
@@ -1341,7 +1341,7 @@
               <a:pPr>
                 <a:defRPr/>
               </a:pPr>
-              <a:t>Monday, May 26, 2025</a:t>
+              <a:t>Thursday, June 5, 2025</a:t>
             </a:fld>
             <a:endParaRPr lang="en-US" dirty="0"/>
           </a:p>
@@ -1524,7 +1524,7 @@
               <a:pPr>
                 <a:defRPr/>
               </a:pPr>
-              <a:t>Monday, May 26, 2025</a:t>
+              <a:t>Thursday, June 5, 2025</a:t>
             </a:fld>
             <a:endParaRPr lang="en-US" dirty="0"/>
           </a:p>
@@ -1717,7 +1717,7 @@
               <a:pPr>
                 <a:defRPr/>
               </a:pPr>
-              <a:t>Monday, May 26, 2025</a:t>
+              <a:t>Thursday, June 5, 2025</a:t>
             </a:fld>
             <a:endParaRPr lang="en-US" dirty="0"/>
           </a:p>
@@ -1900,7 +1900,7 @@
               <a:pPr>
                 <a:defRPr/>
               </a:pPr>
-              <a:t>Monday, May 26, 2025</a:t>
+              <a:t>Thursday, June 5, 2025</a:t>
             </a:fld>
             <a:endParaRPr lang="en-US" dirty="0"/>
           </a:p>
@@ -2160,7 +2160,7 @@
               <a:pPr>
                 <a:defRPr/>
               </a:pPr>
-              <a:t>Monday, May 26, 2025</a:t>
+              <a:t>Thursday, June 5, 2025</a:t>
             </a:fld>
             <a:endParaRPr lang="en-US"/>
           </a:p>
@@ -2460,7 +2460,7 @@
               <a:pPr>
                 <a:defRPr/>
               </a:pPr>
-              <a:t>Monday, May 26, 2025</a:t>
+              <a:t>Thursday, June 5, 2025</a:t>
             </a:fld>
             <a:endParaRPr lang="en-US"/>
           </a:p>
@@ -2894,7 +2894,7 @@
               <a:pPr>
                 <a:defRPr/>
               </a:pPr>
-              <a:t>Monday, May 26, 2025</a:t>
+              <a:t>Thursday, June 5, 2025</a:t>
             </a:fld>
             <a:endParaRPr lang="en-US"/>
           </a:p>
@@ -3026,7 +3026,7 @@
               <a:pPr>
                 <a:defRPr/>
               </a:pPr>
-              <a:t>Monday, May 26, 2025</a:t>
+              <a:t>Thursday, June 5, 2025</a:t>
             </a:fld>
             <a:endParaRPr lang="en-US"/>
           </a:p>
@@ -3136,7 +3136,7 @@
               <a:pPr>
                 <a:defRPr/>
               </a:pPr>
-              <a:t>Monday, May 26, 2025</a:t>
+              <a:t>Thursday, June 5, 2025</a:t>
             </a:fld>
             <a:endParaRPr lang="en-US" dirty="0"/>
           </a:p>
@@ -3426,7 +3426,7 @@
               <a:pPr>
                 <a:defRPr/>
               </a:pPr>
-              <a:t>Monday, May 26, 2025</a:t>
+              <a:t>Thursday, June 5, 2025</a:t>
             </a:fld>
             <a:endParaRPr lang="en-US"/>
           </a:p>
@@ -3693,7 +3693,7 @@
               <a:pPr>
                 <a:defRPr/>
               </a:pPr>
-              <a:t>Monday, May 26, 2025</a:t>
+              <a:t>Thursday, June 5, 2025</a:t>
             </a:fld>
             <a:endParaRPr lang="en-US"/>
           </a:p>
@@ -3919,7 +3919,7 @@
               <a:pPr>
                 <a:defRPr/>
               </a:pPr>
-              <a:t>Monday, May 26, 2025</a:t>
+              <a:t>Thursday, June 5, 2025</a:t>
             </a:fld>
             <a:endParaRPr lang="en-US" dirty="0"/>
           </a:p>
